--- a/Napredni operativni sistemi.pptx
+++ b/Napredni operativni sistemi.pptx
@@ -4316,6 +4316,13 @@
               <a:t>.c</a:t>
             </a:r>
             <a:r>
+              <a:rPr lang="en-US" i="1" dirty="0">
+                <a:latin typeface="Arial" panose="020B0604020202020204" pitchFamily="34" charset="0"/>
+                <a:cs typeface="Arial" panose="020B0604020202020204" pitchFamily="34" charset="0"/>
+              </a:rPr>
+              <a:t> </a:t>
+            </a:r>
+            <a:r>
               <a:rPr lang="sr-Latn-RS" dirty="0">
                 <a:latin typeface="Arial" panose="020B0604020202020204" pitchFamily="34" charset="0"/>
                 <a:cs typeface="Arial" panose="020B0604020202020204" pitchFamily="34" charset="0"/>
@@ -5329,7 +5336,21 @@
                 <a:latin typeface="Arial" panose="020B0604020202020204" pitchFamily="34" charset="0"/>
                 <a:cs typeface="Arial" panose="020B0604020202020204" pitchFamily="34" charset="0"/>
               </a:rPr>
-              <a:t>funkciju iz fajla sistemskog poziva(</a:t>
+              <a:t>funkciju iz fajla sistemskog poziva</a:t>
+            </a:r>
+            <a:r>
+              <a:rPr lang="en-US" dirty="0">
+                <a:latin typeface="Arial" panose="020B0604020202020204" pitchFamily="34" charset="0"/>
+                <a:cs typeface="Arial" panose="020B0604020202020204" pitchFamily="34" charset="0"/>
+              </a:rPr>
+              <a:t> </a:t>
+            </a:r>
+            <a:r>
+              <a:rPr lang="sr-Latn-RS" dirty="0">
+                <a:latin typeface="Arial" panose="020B0604020202020204" pitchFamily="34" charset="0"/>
+                <a:cs typeface="Arial" panose="020B0604020202020204" pitchFamily="34" charset="0"/>
+              </a:rPr>
+              <a:t>(</a:t>
             </a:r>
             <a:r>
               <a:rPr lang="sr-Latn-RS" i="1" dirty="0">
@@ -5992,6 +6013,33 @@
               <a:t> </a:t>
             </a:r>
             <a:r>
+              <a:rPr lang="en-US" sz="1800" i="1" dirty="0">
+                <a:effectLst/>
+                <a:latin typeface="Arial" panose="020B0604020202020204" pitchFamily="34" charset="0"/>
+                <a:ea typeface="Calibri" panose="020F0502020204030204" pitchFamily="34" charset="0"/>
+                <a:cs typeface="Arial" panose="020B0604020202020204" pitchFamily="34" charset="0"/>
+              </a:rPr>
+              <a:t>tar </a:t>
+            </a:r>
+            <a:r>
+              <a:rPr lang="en-US" sz="1800" i="1" dirty="0" err="1">
+                <a:effectLst/>
+                <a:latin typeface="Arial" panose="020B0604020202020204" pitchFamily="34" charset="0"/>
+                <a:ea typeface="Calibri" panose="020F0502020204030204" pitchFamily="34" charset="0"/>
+                <a:cs typeface="Arial" panose="020B0604020202020204" pitchFamily="34" charset="0"/>
+              </a:rPr>
+              <a:t>xf</a:t>
+            </a:r>
+            <a:r>
+              <a:rPr lang="en-US" sz="1800" i="1" dirty="0">
+                <a:effectLst/>
+                <a:latin typeface="Arial" panose="020B0604020202020204" pitchFamily="34" charset="0"/>
+                <a:ea typeface="Calibri" panose="020F0502020204030204" pitchFamily="34" charset="0"/>
+                <a:cs typeface="Arial" panose="020B0604020202020204" pitchFamily="34" charset="0"/>
+              </a:rPr>
+              <a:t> </a:t>
+            </a:r>
+            <a:r>
               <a:rPr lang="en-US" sz="1800" dirty="0" err="1">
                 <a:effectLst/>
                 <a:latin typeface="Arial" panose="020B0604020202020204" pitchFamily="34" charset="0"/>
@@ -6634,36 +6682,103 @@
           </a:p>
         </p:txBody>
       </p:sp>
-      <p:pic>
-        <p:nvPicPr>
-          <p:cNvPr id="4" name="Picture 3">
-            <a:extLst>
-              <a:ext uri="{FF2B5EF4-FFF2-40B4-BE49-F238E27FC236}">
-                <a16:creationId xmlns:a16="http://schemas.microsoft.com/office/drawing/2014/main" id="{6CE69D5B-6336-0C7B-7877-BEF63660B757}"/>
-              </a:ext>
-            </a:extLst>
-          </p:cNvPr>
-          <p:cNvPicPr>
-            <a:picLocks noChangeAspect="1"/>
-          </p:cNvPicPr>
+      <p:grpSp>
+        <p:nvGrpSpPr>
+          <p:cNvPr id="5" name="Group 4">
+            <a:extLst>
+              <a:ext uri="{FF2B5EF4-FFF2-40B4-BE49-F238E27FC236}">
+                <a16:creationId xmlns:a16="http://schemas.microsoft.com/office/drawing/2014/main" id="{11D44690-56FC-4B5E-48A4-AC5081154A41}"/>
+              </a:ext>
+            </a:extLst>
+          </p:cNvPr>
+          <p:cNvGrpSpPr/>
           <p:nvPr/>
-        </p:nvPicPr>
-        <p:blipFill>
-          <a:blip r:embed="rId2"/>
-          <a:stretch>
-            <a:fillRect/>
-          </a:stretch>
-        </p:blipFill>
-        <p:spPr>
+        </p:nvGrpSpPr>
+        <p:grpSpPr>
           <a:xfrm>
             <a:off x="605691" y="1690688"/>
             <a:ext cx="6043013" cy="4530378"/>
+            <a:chOff x="605691" y="1690688"/>
+            <a:chExt cx="6043013" cy="4530378"/>
           </a:xfrm>
-          <a:prstGeom prst="rect">
-            <a:avLst/>
-          </a:prstGeom>
-        </p:spPr>
-      </p:pic>
+        </p:grpSpPr>
+        <p:pic>
+          <p:nvPicPr>
+            <p:cNvPr id="4" name="Picture 3">
+              <a:extLst>
+                <a:ext uri="{FF2B5EF4-FFF2-40B4-BE49-F238E27FC236}">
+                  <a16:creationId xmlns:a16="http://schemas.microsoft.com/office/drawing/2014/main" id="{6CE69D5B-6336-0C7B-7877-BEF63660B757}"/>
+                </a:ext>
+              </a:extLst>
+            </p:cNvPr>
+            <p:cNvPicPr>
+              <a:picLocks noChangeAspect="1"/>
+            </p:cNvPicPr>
+            <p:nvPr/>
+          </p:nvPicPr>
+          <p:blipFill>
+            <a:blip r:embed="rId2"/>
+            <a:stretch>
+              <a:fillRect/>
+            </a:stretch>
+          </p:blipFill>
+          <p:spPr>
+            <a:xfrm>
+              <a:off x="605691" y="1690688"/>
+              <a:ext cx="6043013" cy="4530378"/>
+            </a:xfrm>
+            <a:prstGeom prst="rect">
+              <a:avLst/>
+            </a:prstGeom>
+          </p:spPr>
+        </p:pic>
+        <p:sp>
+          <p:nvSpPr>
+            <p:cNvPr id="3" name="Rectangle 2">
+              <a:extLst>
+                <a:ext uri="{FF2B5EF4-FFF2-40B4-BE49-F238E27FC236}">
+                  <a16:creationId xmlns:a16="http://schemas.microsoft.com/office/drawing/2014/main" id="{6D500BD4-E6BC-2D12-6537-794B52930F38}"/>
+                </a:ext>
+              </a:extLst>
+            </p:cNvPr>
+            <p:cNvSpPr/>
+            <p:nvPr/>
+          </p:nvSpPr>
+          <p:spPr>
+            <a:xfrm>
+              <a:off x="1147482" y="2268071"/>
+              <a:ext cx="3630706" cy="403411"/>
+            </a:xfrm>
+            <a:prstGeom prst="rect">
+              <a:avLst/>
+            </a:prstGeom>
+          </p:spPr>
+          <p:style>
+            <a:lnRef idx="2">
+              <a:schemeClr val="dk1">
+                <a:shade val="15000"/>
+              </a:schemeClr>
+            </a:lnRef>
+            <a:fillRef idx="1">
+              <a:schemeClr val="dk1"/>
+            </a:fillRef>
+            <a:effectRef idx="0">
+              <a:schemeClr val="dk1"/>
+            </a:effectRef>
+            <a:fontRef idx="minor">
+              <a:schemeClr val="lt1"/>
+            </a:fontRef>
+          </p:style>
+          <p:txBody>
+            <a:bodyPr rtlCol="0" anchor="ctr"/>
+            <a:lstStyle/>
+            <a:p>
+              <a:pPr algn="ctr"/>
+              <a:endParaRPr lang="en-US"/>
+            </a:p>
+          </p:txBody>
+        </p:sp>
+      </p:grpSp>
     </p:spTree>
     <p:extLst>
       <p:ext uri="{BB962C8B-B14F-4D97-AF65-F5344CB8AC3E}">
@@ -7407,27 +7522,27 @@
               <a:buNone/>
             </a:pPr>
             <a:r>
-              <a:rPr lang="sr-Latn-RS" sz="1600" dirty="0">
+              <a:rPr lang="sr-Latn-RS" sz="1800" dirty="0">
                 <a:latin typeface="Arial" panose="020B0604020202020204" pitchFamily="34" charset="0"/>
                 <a:cs typeface="Arial" panose="020B0604020202020204" pitchFamily="34" charset="0"/>
               </a:rPr>
               <a:t>Kreiranje fajla </a:t>
             </a:r>
             <a:r>
-              <a:rPr lang="sr-Latn-RS" sz="1600" i="1" dirty="0">
+              <a:rPr lang="sr-Latn-RS" sz="1800" i="1" dirty="0">
                 <a:latin typeface="Arial" panose="020B0604020202020204" pitchFamily="34" charset="0"/>
                 <a:cs typeface="Arial" panose="020B0604020202020204" pitchFamily="34" charset="0"/>
               </a:rPr>
               <a:t>nos.c</a:t>
             </a:r>
             <a:r>
-              <a:rPr lang="sr-Latn-RS" sz="1600" dirty="0">
+              <a:rPr lang="sr-Latn-RS" sz="1800" dirty="0">
                 <a:latin typeface="Arial" panose="020B0604020202020204" pitchFamily="34" charset="0"/>
                 <a:cs typeface="Arial" panose="020B0604020202020204" pitchFamily="34" charset="0"/>
               </a:rPr>
               <a:t> koji će sadržati kod sistemskog poziva.</a:t>
             </a:r>
-            <a:endParaRPr lang="en-US" sz="1600" dirty="0">
+            <a:endParaRPr lang="en-US" sz="1800" dirty="0">
               <a:latin typeface="Arial" panose="020B0604020202020204" pitchFamily="34" charset="0"/>
               <a:cs typeface="Arial" panose="020B0604020202020204" pitchFamily="34" charset="0"/>
             </a:endParaRPr>
@@ -8793,7 +8908,21 @@
                 <a:latin typeface="Arial" panose="020B0604020202020204" pitchFamily="34" charset="0"/>
                 <a:cs typeface="Arial" panose="020B0604020202020204" pitchFamily="34" charset="0"/>
               </a:rPr>
-              <a:t> Extraversion </a:t>
+              <a:t> </a:t>
+            </a:r>
+            <a:r>
+              <a:rPr lang="en-US" i="1" dirty="0">
+                <a:latin typeface="Arial" panose="020B0604020202020204" pitchFamily="34" charset="0"/>
+                <a:cs typeface="Arial" panose="020B0604020202020204" pitchFamily="34" charset="0"/>
+              </a:rPr>
+              <a:t>Extraversion</a:t>
+            </a:r>
+            <a:r>
+              <a:rPr lang="en-US" dirty="0">
+                <a:latin typeface="Arial" panose="020B0604020202020204" pitchFamily="34" charset="0"/>
+                <a:cs typeface="Arial" panose="020B0604020202020204" pitchFamily="34" charset="0"/>
+              </a:rPr>
+              <a:t> </a:t>
             </a:r>
             <a:r>
               <a:rPr lang="en-US" dirty="0" err="1">
@@ -8884,7 +9013,7 @@
                 <a:latin typeface="Arial" panose="020B0604020202020204" pitchFamily="34" charset="0"/>
                 <a:cs typeface="Arial" panose="020B0604020202020204" pitchFamily="34" charset="0"/>
               </a:rPr>
-              <a:t>/ linux-6.5/</a:t>
+              <a:t>/linux-6.5/</a:t>
             </a:r>
             <a:r>
               <a:rPr lang="en-US" i="1" dirty="0" err="1">
@@ -9145,7 +9274,56 @@
                 <a:latin typeface="Arial" panose="020B0604020202020204" pitchFamily="34" charset="0"/>
                 <a:cs typeface="Arial" panose="020B0604020202020204" pitchFamily="34" charset="0"/>
               </a:rPr>
-              <a:t>zvršiti sledeće komande:</a:t>
+              <a:t>zvršiti sledeće komande</a:t>
+            </a:r>
+            <a:r>
+              <a:rPr lang="en-US" sz="1800" dirty="0">
+                <a:latin typeface="Arial" panose="020B0604020202020204" pitchFamily="34" charset="0"/>
+                <a:cs typeface="Arial" panose="020B0604020202020204" pitchFamily="34" charset="0"/>
+              </a:rPr>
+              <a:t> u </a:t>
+            </a:r>
+            <a:r>
+              <a:rPr lang="en-US" sz="1800" i="1" dirty="0" err="1">
+                <a:latin typeface="Arial" panose="020B0604020202020204" pitchFamily="34" charset="0"/>
+                <a:cs typeface="Arial" panose="020B0604020202020204" pitchFamily="34" charset="0"/>
+              </a:rPr>
+              <a:t>src</a:t>
+            </a:r>
+            <a:r>
+              <a:rPr lang="en-US" sz="1800" dirty="0">
+                <a:latin typeface="Arial" panose="020B0604020202020204" pitchFamily="34" charset="0"/>
+                <a:cs typeface="Arial" panose="020B0604020202020204" pitchFamily="34" charset="0"/>
+              </a:rPr>
+              <a:t>/</a:t>
+            </a:r>
+            <a:r>
+              <a:rPr lang="en-US" sz="1800" i="1" dirty="0">
+                <a:latin typeface="Arial" panose="020B0604020202020204" pitchFamily="34" charset="0"/>
+                <a:cs typeface="Arial" panose="020B0604020202020204" pitchFamily="34" charset="0"/>
+              </a:rPr>
+              <a:t>linux-6.5</a:t>
+            </a:r>
+            <a:r>
+              <a:rPr lang="en-US" sz="1800" dirty="0">
+                <a:latin typeface="Arial" panose="020B0604020202020204" pitchFamily="34" charset="0"/>
+                <a:cs typeface="Arial" panose="020B0604020202020204" pitchFamily="34" charset="0"/>
+              </a:rPr>
+              <a:t> </a:t>
+            </a:r>
+            <a:r>
+              <a:rPr lang="en-US" sz="1800" dirty="0" err="1">
+                <a:latin typeface="Arial" panose="020B0604020202020204" pitchFamily="34" charset="0"/>
+                <a:cs typeface="Arial" panose="020B0604020202020204" pitchFamily="34" charset="0"/>
+              </a:rPr>
+              <a:t>folderu</a:t>
+            </a:r>
+            <a:r>
+              <a:rPr lang="sr-Latn-RS" sz="1800" dirty="0">
+                <a:latin typeface="Arial" panose="020B0604020202020204" pitchFamily="34" charset="0"/>
+                <a:cs typeface="Arial" panose="020B0604020202020204" pitchFamily="34" charset="0"/>
+              </a:rPr>
+              <a:t>:</a:t>
             </a:r>
           </a:p>
           <a:p>
